--- a/output/notWellKnown/Jesus-Messiah.pptx
+++ b/output/notWellKnown/Jesus-Messiah.pptx
@@ -3891,7 +3891,7 @@
             </a:r>
             <a:br/>
             <a:r>
-              <a:t>Name above all names </a:t>
+              <a:t>Name above all names</a:t>
             </a:r>
             <a:br/>
             <a:r>
